--- a/コンポーネントの使い方.pptx
+++ b/コンポーネントの使い方.pptx
@@ -104,6 +104,11 @@
       </a:defRPr>
     </a:lvl9pPr>
   </p:defaultTextStyle>
+  <p:extLst>
+    <p:ext uri="{EFAFB233-063F-42B5-8137-9DF3F51BA10A}">
+      <p15:sldGuideLst xmlns:p15="http://schemas.microsoft.com/office/powerpoint/2012/main"/>
+    </p:ext>
+  </p:extLst>
 </p:presentation>
 </file>
 
@@ -254,7 +259,7 @@
           <a:p>
             <a:fld id="{617774A8-ED38-42BC-991E-75FA4FF00F04}" type="datetimeFigureOut">
               <a:rPr kumimoji="1" lang="ja-JP" altLang="en-US" smtClean="0"/>
-              <a:t>2023/7/4</a:t>
+              <a:t>2023/7/27</a:t>
             </a:fld>
             <a:endParaRPr kumimoji="1" lang="ja-JP" altLang="en-US"/>
           </a:p>
@@ -484,7 +489,7 @@
           <a:p>
             <a:fld id="{617774A8-ED38-42BC-991E-75FA4FF00F04}" type="datetimeFigureOut">
               <a:rPr kumimoji="1" lang="ja-JP" altLang="en-US" smtClean="0"/>
-              <a:t>2023/7/4</a:t>
+              <a:t>2023/7/27</a:t>
             </a:fld>
             <a:endParaRPr kumimoji="1" lang="ja-JP" altLang="en-US"/>
           </a:p>
@@ -724,7 +729,7 @@
           <a:p>
             <a:fld id="{617774A8-ED38-42BC-991E-75FA4FF00F04}" type="datetimeFigureOut">
               <a:rPr kumimoji="1" lang="ja-JP" altLang="en-US" smtClean="0"/>
-              <a:t>2023/7/4</a:t>
+              <a:t>2023/7/27</a:t>
             </a:fld>
             <a:endParaRPr kumimoji="1" lang="ja-JP" altLang="en-US"/>
           </a:p>
@@ -954,7 +959,7 @@
           <a:p>
             <a:fld id="{617774A8-ED38-42BC-991E-75FA4FF00F04}" type="datetimeFigureOut">
               <a:rPr kumimoji="1" lang="ja-JP" altLang="en-US" smtClean="0"/>
-              <a:t>2023/7/4</a:t>
+              <a:t>2023/7/27</a:t>
             </a:fld>
             <a:endParaRPr kumimoji="1" lang="ja-JP" altLang="en-US"/>
           </a:p>
@@ -1229,7 +1234,7 @@
           <a:p>
             <a:fld id="{617774A8-ED38-42BC-991E-75FA4FF00F04}" type="datetimeFigureOut">
               <a:rPr kumimoji="1" lang="ja-JP" altLang="en-US" smtClean="0"/>
-              <a:t>2023/7/4</a:t>
+              <a:t>2023/7/27</a:t>
             </a:fld>
             <a:endParaRPr kumimoji="1" lang="ja-JP" altLang="en-US"/>
           </a:p>
@@ -1558,7 +1563,7 @@
           <a:p>
             <a:fld id="{617774A8-ED38-42BC-991E-75FA4FF00F04}" type="datetimeFigureOut">
               <a:rPr kumimoji="1" lang="ja-JP" altLang="en-US" smtClean="0"/>
-              <a:t>2023/7/4</a:t>
+              <a:t>2023/7/27</a:t>
             </a:fld>
             <a:endParaRPr kumimoji="1" lang="ja-JP" altLang="en-US"/>
           </a:p>
@@ -2034,7 +2039,7 @@
           <a:p>
             <a:fld id="{617774A8-ED38-42BC-991E-75FA4FF00F04}" type="datetimeFigureOut">
               <a:rPr kumimoji="1" lang="ja-JP" altLang="en-US" smtClean="0"/>
-              <a:t>2023/7/4</a:t>
+              <a:t>2023/7/27</a:t>
             </a:fld>
             <a:endParaRPr kumimoji="1" lang="ja-JP" altLang="en-US"/>
           </a:p>
@@ -2175,7 +2180,7 @@
           <a:p>
             <a:fld id="{617774A8-ED38-42BC-991E-75FA4FF00F04}" type="datetimeFigureOut">
               <a:rPr kumimoji="1" lang="ja-JP" altLang="en-US" smtClean="0"/>
-              <a:t>2023/7/4</a:t>
+              <a:t>2023/7/27</a:t>
             </a:fld>
             <a:endParaRPr kumimoji="1" lang="ja-JP" altLang="en-US"/>
           </a:p>
@@ -2288,7 +2293,7 @@
           <a:p>
             <a:fld id="{617774A8-ED38-42BC-991E-75FA4FF00F04}" type="datetimeFigureOut">
               <a:rPr kumimoji="1" lang="ja-JP" altLang="en-US" smtClean="0"/>
-              <a:t>2023/7/4</a:t>
+              <a:t>2023/7/27</a:t>
             </a:fld>
             <a:endParaRPr kumimoji="1" lang="ja-JP" altLang="en-US"/>
           </a:p>
@@ -2631,7 +2636,7 @@
           <a:p>
             <a:fld id="{617774A8-ED38-42BC-991E-75FA4FF00F04}" type="datetimeFigureOut">
               <a:rPr kumimoji="1" lang="ja-JP" altLang="en-US" smtClean="0"/>
-              <a:t>2023/7/4</a:t>
+              <a:t>2023/7/27</a:t>
             </a:fld>
             <a:endParaRPr kumimoji="1" lang="ja-JP" altLang="en-US"/>
           </a:p>
@@ -2919,7 +2924,7 @@
           <a:p>
             <a:fld id="{617774A8-ED38-42BC-991E-75FA4FF00F04}" type="datetimeFigureOut">
               <a:rPr kumimoji="1" lang="ja-JP" altLang="en-US" smtClean="0"/>
-              <a:t>2023/7/4</a:t>
+              <a:t>2023/7/27</a:t>
             </a:fld>
             <a:endParaRPr kumimoji="1" lang="ja-JP" altLang="en-US"/>
           </a:p>
@@ -3192,7 +3197,7 @@
           <a:p>
             <a:fld id="{617774A8-ED38-42BC-991E-75FA4FF00F04}" type="datetimeFigureOut">
               <a:rPr kumimoji="1" lang="ja-JP" altLang="en-US" smtClean="0"/>
-              <a:t>2023/7/4</a:t>
+              <a:t>2023/7/27</a:t>
             </a:fld>
             <a:endParaRPr kumimoji="1" lang="ja-JP" altLang="en-US"/>
           </a:p>
@@ -3691,92 +3696,64 @@
               <a:buNone/>
             </a:pPr>
             <a:r>
-              <a:rPr kumimoji="1" lang="en-US" altLang="ja-JP" dirty="0"/>
+              <a:rPr kumimoji="1" lang="en-US" altLang="ja-JP" sz="2000" dirty="0"/>
               <a:t>Entity</a:t>
             </a:r>
             <a:r>
-              <a:rPr kumimoji="1" lang="ja-JP" altLang="en-US" dirty="0"/>
-              <a:t>を継承したクラスは必ず以下のことをする。</a:t>
-            </a:r>
-            <a:endParaRPr kumimoji="1" lang="en-US" altLang="ja-JP" dirty="0"/>
+              <a:rPr kumimoji="1" lang="ja-JP" altLang="en-US" sz="2000" dirty="0"/>
+              <a:t>の</a:t>
+            </a:r>
+            <a:r>
+              <a:rPr kumimoji="1" lang="en-US" altLang="ja-JP" sz="2000" dirty="0" err="1"/>
+              <a:t>update_components</a:t>
+            </a:r>
+            <a:r>
+              <a:rPr lang="ja-JP" altLang="en-US" sz="2000" dirty="0"/>
+              <a:t>や</a:t>
+            </a:r>
+            <a:r>
+              <a:rPr lang="en-US" altLang="ja-JP" sz="2000" dirty="0" err="1"/>
+              <a:t>draw_components</a:t>
+            </a:r>
+            <a:r>
+              <a:rPr lang="ja-JP" altLang="en-US" sz="2000" dirty="0"/>
+              <a:t>を呼び出すことでコンポーネントを動かすことができる。</a:t>
+            </a:r>
+            <a:endParaRPr lang="en-US" altLang="ja-JP" sz="2000" dirty="0"/>
           </a:p>
           <a:p>
             <a:pPr marL="0" indent="0">
               <a:buNone/>
             </a:pPr>
             <a:r>
-              <a:rPr kumimoji="1" lang="ja-JP" altLang="en-US" sz="2400" dirty="0"/>
-              <a:t>・デストラクタで</a:t>
-            </a:r>
-            <a:r>
-              <a:rPr lang="en-US" altLang="ja-JP" sz="2400" dirty="0"/>
-              <a:t>component::Entity::</a:t>
-            </a:r>
-            <a:r>
-              <a:rPr kumimoji="1" lang="en-US" altLang="ja-JP" sz="2400" dirty="0"/>
-              <a:t>~Entity()</a:t>
-            </a:r>
-            <a:r>
-              <a:rPr kumimoji="1" lang="ja-JP" altLang="en-US" sz="2400" dirty="0"/>
-              <a:t>を呼び出す。</a:t>
-            </a:r>
-            <a:endParaRPr kumimoji="1" lang="en-US" altLang="ja-JP" sz="2400" dirty="0"/>
-          </a:p>
-          <a:p>
-            <a:pPr marL="0" indent="0">
-              <a:buNone/>
-            </a:pPr>
-            <a:r>
-              <a:rPr lang="ja-JP" altLang="en-US" sz="2400" dirty="0"/>
-              <a:t>・</a:t>
-            </a:r>
-            <a:r>
-              <a:rPr lang="en-US" altLang="ja-JP" sz="2400" dirty="0"/>
-              <a:t>update(double dt)</a:t>
-            </a:r>
-            <a:r>
-              <a:rPr lang="ja-JP" altLang="en-US" sz="2400" dirty="0"/>
-              <a:t>で</a:t>
-            </a:r>
-            <a:r>
-              <a:rPr lang="en-US" altLang="ja-JP" sz="2400" dirty="0"/>
-              <a:t>component::Entity::update(double dt)</a:t>
-            </a:r>
-            <a:r>
-              <a:rPr lang="ja-JP" altLang="en-US" sz="2400" dirty="0"/>
-              <a:t>を呼び出す。</a:t>
-            </a:r>
-            <a:endParaRPr lang="en-US" altLang="ja-JP" sz="2400" dirty="0"/>
-          </a:p>
-          <a:p>
-            <a:pPr marL="0" indent="0">
-              <a:buNone/>
-            </a:pPr>
-            <a:r>
-              <a:rPr kumimoji="1" lang="ja-JP" altLang="en-US" sz="2400"/>
-              <a:t>・</a:t>
-            </a:r>
-            <a:r>
-              <a:rPr kumimoji="1" lang="en-US" altLang="ja-JP" sz="2400"/>
-              <a:t>draw</a:t>
-            </a:r>
-            <a:r>
-              <a:rPr kumimoji="1" lang="en-US" altLang="ja-JP" sz="2400" dirty="0"/>
-              <a:t>()</a:t>
-            </a:r>
-            <a:r>
-              <a:rPr kumimoji="1" lang="ja-JP" altLang="en-US" sz="2400" dirty="0"/>
-              <a:t>で</a:t>
-            </a:r>
-            <a:r>
-              <a:rPr lang="en-US" altLang="ja-JP" sz="2400" dirty="0"/>
-              <a:t>component::Entity:: draw()</a:t>
-            </a:r>
-            <a:r>
-              <a:rPr lang="ja-JP" altLang="en-US" sz="2400" dirty="0"/>
-              <a:t>を呼び出す。</a:t>
-            </a:r>
-            <a:endParaRPr kumimoji="1" lang="en-US" altLang="ja-JP" sz="2400" dirty="0"/>
+              <a:rPr kumimoji="1" lang="ja-JP" altLang="en-US" sz="2000" dirty="0"/>
+              <a:t>また、</a:t>
+            </a:r>
+            <a:r>
+              <a:rPr kumimoji="1" lang="en-US" altLang="ja-JP" sz="2000" dirty="0"/>
+              <a:t>Component</a:t>
+            </a:r>
+            <a:r>
+              <a:rPr kumimoji="1" lang="ja-JP" altLang="en-US" sz="2000" dirty="0"/>
+              <a:t>の</a:t>
+            </a:r>
+            <a:r>
+              <a:rPr kumimoji="1" lang="en-US" altLang="ja-JP" sz="2000" dirty="0"/>
+              <a:t>start</a:t>
+            </a:r>
+            <a:r>
+              <a:rPr kumimoji="1" lang="ja-JP" altLang="en-US" sz="2000" dirty="0"/>
+              <a:t>メソッドは</a:t>
+            </a:r>
+            <a:r>
+              <a:rPr kumimoji="1" lang="en-US" altLang="ja-JP" sz="2000" dirty="0" err="1"/>
+              <a:t>AddComponent</a:t>
+            </a:r>
+            <a:r>
+              <a:rPr kumimoji="1" lang="ja-JP" altLang="en-US" sz="2000"/>
+              <a:t>したときに呼び出される。</a:t>
+            </a:r>
+            <a:endParaRPr kumimoji="1" lang="en-US" altLang="ja-JP" sz="2000"/>
           </a:p>
         </p:txBody>
       </p:sp>
